--- a/Doc/Review.pptx
+++ b/Doc/Review.pptx
@@ -8919,6 +8919,13 @@
   <p:clrMapOvr>
     <a:masterClrMapping/>
   </p:clrMapOvr>
+  <p:timing>
+    <p:tnLst>
+      <p:par>
+        <p:cTn xmlns:p14="http://schemas.microsoft.com/office/powerpoint/2010/main" id="1" dur="indefinite" restart="never" nodeType="tmRoot"/>
+      </p:par>
+    </p:tnLst>
+  </p:timing>
 </p:sld>
 </file>
 
@@ -9078,19 +9085,7 @@
             </a:r>
             <a:r>
               <a:rPr lang="zh-CN" altLang="en-US" dirty="0" smtClean="0"/>
-              <a:t>学习</a:t>
-            </a:r>
-            <a:r>
-              <a:rPr lang="zh-CN" altLang="en-US" dirty="0" smtClean="0"/>
-              <a:t>的过</a:t>
-            </a:r>
-            <a:r>
-              <a:rPr lang="zh-CN" altLang="en-US" dirty="0" smtClean="0"/>
-              <a:t>程</a:t>
-            </a:r>
-            <a:r>
-              <a:rPr lang="zh-CN" altLang="en-US" dirty="0" smtClean="0"/>
-              <a:t>和方法</a:t>
+              <a:t>学习的过程和方法</a:t>
             </a:r>
             <a:endParaRPr lang="en-US" altLang="zh-CN" dirty="0" smtClean="0"/>
           </a:p>
@@ -9343,11 +9338,7 @@
           <a:p>
             <a:r>
               <a:rPr lang="en-US" altLang="zh-CN" dirty="0" smtClean="0"/>
-              <a:t>Objective-</a:t>
-            </a:r>
-            <a:r>
-              <a:rPr lang="en-US" altLang="zh-CN" dirty="0" smtClean="0"/>
-              <a:t>C</a:t>
+              <a:t>Objective-C</a:t>
             </a:r>
             <a:r>
               <a:rPr lang="zh-CN" altLang="en-US" dirty="0" smtClean="0"/>
@@ -9452,6 +9443,13 @@
   <p:clrMapOvr>
     <a:masterClrMapping/>
   </p:clrMapOvr>
+  <p:timing>
+    <p:tnLst>
+      <p:par>
+        <p:cTn xmlns:p14="http://schemas.microsoft.com/office/powerpoint/2010/main" id="1" dur="indefinite" restart="never" nodeType="tmRoot"/>
+      </p:par>
+    </p:tnLst>
+  </p:timing>
 </p:sld>
 </file>
 
@@ -9564,6 +9562,36 @@
           </a:p>
         </p:txBody>
       </p:sp>
+      <p:pic>
+        <p:nvPicPr>
+          <p:cNvPr id="4" name="Picture 3" descr="Screen Shot 2013-01-10 at 2.15.45 PM.png"/>
+          <p:cNvPicPr>
+            <a:picLocks noChangeAspect="1"/>
+          </p:cNvPicPr>
+          <p:nvPr/>
+        </p:nvPicPr>
+        <p:blipFill>
+          <a:blip r:embed="rId2">
+            <a:extLst>
+              <a:ext uri="{28A0092B-C50C-407E-A947-70E740481C1C}">
+                <a14:useLocalDpi xmlns:a14="http://schemas.microsoft.com/office/drawing/2010/main" val="0"/>
+              </a:ext>
+            </a:extLst>
+          </a:blip>
+          <a:stretch>
+            <a:fillRect/>
+          </a:stretch>
+        </p:blipFill>
+        <p:spPr>
+          <a:xfrm>
+            <a:off x="2653857" y="76426"/>
+            <a:ext cx="3650226" cy="6858000"/>
+          </a:xfrm>
+          <a:prstGeom prst="rect">
+            <a:avLst/>
+          </a:prstGeom>
+        </p:spPr>
+      </p:pic>
     </p:spTree>
     <p:extLst>
       <p:ext uri="{BB962C8B-B14F-4D97-AF65-F5344CB8AC3E}">
@@ -9574,10 +9602,132 @@
   <p:clrMapOvr>
     <a:masterClrMapping/>
   </p:clrMapOvr>
+  <mc:AlternateContent xmlns:mc="http://schemas.openxmlformats.org/markup-compatibility/2006">
+    <mc:Choice xmlns:p14="http://schemas.microsoft.com/office/powerpoint/2010/main" Requires="p14">
+      <p:transition p14:dur="0"/>
+    </mc:Choice>
+    <mc:Fallback>
+      <p:transition xmlns:p14="http://schemas.microsoft.com/office/powerpoint/2010/main"/>
+    </mc:Fallback>
+  </mc:AlternateContent>
   <p:timing>
     <p:tnLst>
       <p:par>
-        <p:cTn xmlns:p14="http://schemas.microsoft.com/office/powerpoint/2010/main" id="1" dur="indefinite" restart="never" nodeType="tmRoot"/>
+        <p:cTn xmlns:p14="http://schemas.microsoft.com/office/powerpoint/2010/main" id="1" dur="indefinite" restart="never" nodeType="tmRoot">
+          <p:childTnLst>
+            <p:seq concurrent="1" nextAc="seek">
+              <p:cTn id="2" dur="indefinite" nodeType="mainSeq">
+                <p:childTnLst>
+                  <p:par>
+                    <p:cTn id="3" fill="hold">
+                      <p:stCondLst>
+                        <p:cond delay="indefinite"/>
+                      </p:stCondLst>
+                      <p:childTnLst>
+                        <p:par>
+                          <p:cTn id="4" fill="hold">
+                            <p:stCondLst>
+                              <p:cond delay="0"/>
+                            </p:stCondLst>
+                            <p:childTnLst>
+                              <p:par>
+                                <p:cTn id="5" presetID="2" presetClass="entr" presetSubtype="4" fill="hold" nodeType="clickEffect">
+                                  <p:stCondLst>
+                                    <p:cond delay="0"/>
+                                  </p:stCondLst>
+                                  <p:childTnLst>
+                                    <p:set>
+                                      <p:cBhvr>
+                                        <p:cTn id="6" dur="1" fill="hold">
+                                          <p:stCondLst>
+                                            <p:cond delay="0"/>
+                                          </p:stCondLst>
+                                        </p:cTn>
+                                        <p:tgtEl>
+                                          <p:spTgt spid="4"/>
+                                        </p:tgtEl>
+                                        <p:attrNameLst>
+                                          <p:attrName>style.visibility</p:attrName>
+                                        </p:attrNameLst>
+                                      </p:cBhvr>
+                                      <p:to>
+                                        <p:strVal val="visible"/>
+                                      </p:to>
+                                    </p:set>
+                                    <p:anim calcmode="lin" valueType="num">
+                                      <p:cBhvr additive="base">
+                                        <p:cTn id="7" dur="500" fill="hold"/>
+                                        <p:tgtEl>
+                                          <p:spTgt spid="4"/>
+                                        </p:tgtEl>
+                                        <p:attrNameLst>
+                                          <p:attrName>ppt_x</p:attrName>
+                                        </p:attrNameLst>
+                                      </p:cBhvr>
+                                      <p:tavLst>
+                                        <p:tav tm="0">
+                                          <p:val>
+                                            <p:strVal val="#ppt_x"/>
+                                          </p:val>
+                                        </p:tav>
+                                        <p:tav tm="100000">
+                                          <p:val>
+                                            <p:strVal val="#ppt_x"/>
+                                          </p:val>
+                                        </p:tav>
+                                      </p:tavLst>
+                                    </p:anim>
+                                    <p:anim calcmode="lin" valueType="num">
+                                      <p:cBhvr additive="base">
+                                        <p:cTn id="8" dur="500" fill="hold"/>
+                                        <p:tgtEl>
+                                          <p:spTgt spid="4"/>
+                                        </p:tgtEl>
+                                        <p:attrNameLst>
+                                          <p:attrName>ppt_y</p:attrName>
+                                        </p:attrNameLst>
+                                      </p:cBhvr>
+                                      <p:tavLst>
+                                        <p:tav tm="0">
+                                          <p:val>
+                                            <p:strVal val="1+#ppt_h/2"/>
+                                          </p:val>
+                                        </p:tav>
+                                        <p:tav tm="100000">
+                                          <p:val>
+                                            <p:strVal val="#ppt_y"/>
+                                          </p:val>
+                                        </p:tav>
+                                      </p:tavLst>
+                                    </p:anim>
+                                  </p:childTnLst>
+                                </p:cTn>
+                              </p:par>
+                            </p:childTnLst>
+                          </p:cTn>
+                        </p:par>
+                      </p:childTnLst>
+                    </p:cTn>
+                  </p:par>
+                </p:childTnLst>
+              </p:cTn>
+              <p:prevCondLst>
+                <p:cond evt="onPrev" delay="0">
+                  <p:tgtEl>
+                    <p:sldTgt/>
+                  </p:tgtEl>
+                </p:cond>
+              </p:prevCondLst>
+              <p:nextCondLst>
+                <p:cond evt="onNext" delay="0">
+                  <p:tgtEl>
+                    <p:sldTgt/>
+                  </p:tgtEl>
+                </p:cond>
+              </p:nextCondLst>
+            </p:seq>
+          </p:childTnLst>
+        </p:cTn>
       </p:par>
     </p:tnLst>
   </p:timing>
@@ -9649,11 +9799,7 @@
             <a:pPr lvl="1"/>
             <a:r>
               <a:rPr lang="zh-CN" altLang="en-US" dirty="0" smtClean="0"/>
-              <a:t>用户列表</a:t>
-            </a:r>
-            <a:r>
-              <a:rPr lang="zh-CN" altLang="en-US" dirty="0" smtClean="0"/>
-              <a:t>展示</a:t>
+              <a:t>用户列表展示</a:t>
             </a:r>
             <a:endParaRPr lang="en-US" altLang="zh-CN" dirty="0" smtClean="0"/>
           </a:p>
@@ -10085,11 +10231,7 @@
           <a:p>
             <a:r>
               <a:rPr lang="zh-CN" altLang="en-US" dirty="0" smtClean="0"/>
-              <a:t>页面</a:t>
-            </a:r>
-            <a:r>
-              <a:rPr lang="zh-CN" altLang="en-US" dirty="0" smtClean="0"/>
-              <a:t>跳转</a:t>
+              <a:t>页面跳转</a:t>
             </a:r>
             <a:endParaRPr lang="en-US" altLang="zh-CN" dirty="0" smtClean="0"/>
           </a:p>
@@ -10118,7 +10260,6 @@
               <a:rPr lang="en-US" altLang="zh-CN" dirty="0" smtClean="0"/>
               <a:t>modal</a:t>
             </a:r>
-            <a:endParaRPr lang="en-US" altLang="zh-CN" dirty="0" smtClean="0"/>
           </a:p>
           <a:p>
             <a:r>
